--- a/Session_4_Polyglot_Persistence.pptx
+++ b/Session_4_Polyglot_Persistence.pptx
@@ -234,7 +234,7 @@
           <a:p>
             <a:fld id="{372E5B6B-8713-8747-AE5B-F1241B2BF5F0}" type="datetimeFigureOut">
               <a:rPr lang="en-US" smtClean="0"/>
-              <a:t>9/23/16</a:t>
+              <a:t>12/13/16</a:t>
             </a:fld>
             <a:endParaRPr lang="en-US" dirty="0"/>
           </a:p>
@@ -400,7 +400,7 @@
           <a:p>
             <a:fld id="{7E7B7340-DDD5-1B49-81AA-25BC4050C073}" type="datetimeFigureOut">
               <a:rPr lang="en-US" smtClean="0"/>
-              <a:t>9/23/16</a:t>
+              <a:t>12/13/16</a:t>
             </a:fld>
             <a:endParaRPr lang="en-US" dirty="0"/>
           </a:p>
@@ -1948,29 +1948,6 @@
       </p:sp>
       <p:sp>
         <p:nvSpPr>
-          <p:cNvPr id="6" name="Slide Number Placeholder 5"/>
-          <p:cNvSpPr>
-            <a:spLocks noGrp="1"/>
-          </p:cNvSpPr>
-          <p:nvPr>
-            <p:ph type="sldNum" sz="quarter" idx="12"/>
-          </p:nvPr>
-        </p:nvSpPr>
-        <p:spPr/>
-        <p:txBody>
-          <a:bodyPr/>
-          <a:lstStyle/>
-          <a:p>
-            <a:fld id="{ADA07C09-8A41-3B46-A636-3955072BBB4F}" type="slidenum">
-              <a:rPr lang="en-US" smtClean="0"/>
-              <a:t>‹#›</a:t>
-            </a:fld>
-            <a:endParaRPr lang="en-US" dirty="0"/>
-          </a:p>
-        </p:txBody>
-      </p:sp>
-      <p:sp>
-        <p:nvSpPr>
           <p:cNvPr id="13" name="Text Placeholder 12"/>
           <p:cNvSpPr>
             <a:spLocks noGrp="1"/>
@@ -2168,86 +2145,6 @@
           </a:p>
         </p:txBody>
       </p:sp>
-      <p:sp>
-        <p:nvSpPr>
-          <p:cNvPr id="6" name="Slide Number Placeholder 2"/>
-          <p:cNvSpPr>
-            <a:spLocks noGrp="1"/>
-          </p:cNvSpPr>
-          <p:nvPr>
-            <p:ph type="sldNum" sz="quarter" idx="4"/>
-          </p:nvPr>
-        </p:nvSpPr>
-        <p:spPr>
-          <a:xfrm>
-            <a:off x="524348" y="4651813"/>
-            <a:ext cx="2133600" cy="274637"/>
-          </a:xfrm>
-          <a:prstGeom prst="rect">
-            <a:avLst/>
-          </a:prstGeom>
-        </p:spPr>
-        <p:txBody>
-          <a:bodyPr vert="horz" lIns="0" tIns="45720" rIns="91440" bIns="45720" rtlCol="0" anchor="ctr"/>
-          <a:lstStyle>
-            <a:lvl1pPr algn="l">
-              <a:defRPr sz="1000">
-                <a:solidFill>
-                  <a:schemeClr val="bg1"/>
-                </a:solidFill>
-              </a:defRPr>
-            </a:lvl1pPr>
-          </a:lstStyle>
-          <a:p>
-            <a:fld id="{602A933A-CCB3-5F4E-BECE-55F24E394E11}" type="slidenum">
-              <a:rPr lang="en-US" smtClean="0">
-                <a:solidFill>
-                  <a:prstClr val="white"/>
-                </a:solidFill>
-                <a:latin typeface="Arial"/>
-              </a:rPr>
-              <a:pPr/>
-              <a:t>‹#›</a:t>
-            </a:fld>
-            <a:endParaRPr lang="en-US" dirty="0">
-              <a:solidFill>
-                <a:prstClr val="white"/>
-              </a:solidFill>
-              <a:latin typeface="Arial"/>
-            </a:endParaRPr>
-          </a:p>
-        </p:txBody>
-      </p:sp>
-      <p:pic>
-        <p:nvPicPr>
-          <p:cNvPr id="7" name="Picture 6" descr="pivotal_green.png"/>
-          <p:cNvPicPr>
-            <a:picLocks noChangeAspect="1"/>
-          </p:cNvPicPr>
-          <p:nvPr userDrawn="1"/>
-        </p:nvPicPr>
-        <p:blipFill>
-          <a:blip r:embed="rId2">
-            <a:extLst>
-              <a:ext uri="{28A0092B-C50C-407E-A947-70E740481C1C}">
-                <a14:useLocalDpi xmlns:a14="http://schemas.microsoft.com/office/drawing/2010/main" val="0"/>
-              </a:ext>
-            </a:extLst>
-          </a:blip>
-          <a:stretch>
-            <a:fillRect/>
-          </a:stretch>
-        </p:blipFill>
-        <p:spPr>
-          <a:xfrm>
-            <a:off x="7788438" y="4656658"/>
-            <a:ext cx="831214" cy="204245"/>
-          </a:xfrm>
-          <a:prstGeom prst="rect">
-            <a:avLst/>
-          </a:prstGeom>
-        </p:spPr>
-      </p:pic>
     </p:spTree>
     <p:extLst>
       <p:ext uri="{BB962C8B-B14F-4D97-AF65-F5344CB8AC3E}">
@@ -2481,101 +2378,6 @@
           </a:p>
         </p:txBody>
       </p:sp>
-      <p:sp>
-        <p:nvSpPr>
-          <p:cNvPr id="7" name="TextBox 6"/>
-          <p:cNvSpPr txBox="1"/>
-          <p:nvPr userDrawn="1"/>
-        </p:nvSpPr>
-        <p:spPr bwMode="gray">
-          <a:xfrm>
-            <a:off x="366713" y="5018449"/>
-            <a:ext cx="2274887" cy="92333"/>
-          </a:xfrm>
-          <a:prstGeom prst="rect">
-            <a:avLst/>
-          </a:prstGeom>
-          <a:noFill/>
-        </p:spPr>
-        <p:txBody>
-          <a:bodyPr wrap="square" lIns="0" tIns="0" rIns="0" bIns="0" rtlCol="0">
-            <a:spAutoFit/>
-          </a:bodyPr>
-          <a:lstStyle/>
-          <a:p>
-            <a:pPr algn="l"/>
-            <a:r>
-              <a:rPr lang="en-US" sz="600" dirty="0" smtClean="0">
-                <a:solidFill>
-                  <a:schemeClr val="bg1">
-                    <a:lumMod val="50000"/>
-                  </a:schemeClr>
-                </a:solidFill>
-                <a:latin typeface="Arial"/>
-                <a:cs typeface="Arial"/>
-              </a:rPr>
-              <a:t>© Copyright 2015 Pivotal.</a:t>
-            </a:r>
-            <a:r>
-              <a:rPr lang="en-US" sz="600" baseline="0" dirty="0" smtClean="0">
-                <a:solidFill>
-                  <a:schemeClr val="bg1">
-                    <a:lumMod val="50000"/>
-                  </a:schemeClr>
-                </a:solidFill>
-                <a:latin typeface="Arial"/>
-                <a:cs typeface="Arial"/>
-              </a:rPr>
-              <a:t> </a:t>
-            </a:r>
-            <a:r>
-              <a:rPr lang="en-US" sz="600" dirty="0" smtClean="0">
-                <a:solidFill>
-                  <a:schemeClr val="bg1">
-                    <a:lumMod val="50000"/>
-                  </a:schemeClr>
-                </a:solidFill>
-                <a:latin typeface="Arial"/>
-                <a:cs typeface="Arial"/>
-              </a:rPr>
-              <a:t>All rights reserved.</a:t>
-            </a:r>
-            <a:endParaRPr lang="en-US" sz="600" dirty="0">
-              <a:solidFill>
-                <a:schemeClr val="bg1">
-                  <a:lumMod val="50000"/>
-                </a:schemeClr>
-              </a:solidFill>
-              <a:latin typeface="Arial"/>
-              <a:cs typeface="Arial"/>
-            </a:endParaRPr>
-          </a:p>
-        </p:txBody>
-      </p:sp>
-      <p:pic>
-        <p:nvPicPr>
-          <p:cNvPr id="8" name="Picture 7" descr="Pivotal_Logo_white.png"/>
-          <p:cNvPicPr>
-            <a:picLocks noChangeAspect="1"/>
-          </p:cNvPicPr>
-          <p:nvPr userDrawn="1"/>
-        </p:nvPicPr>
-        <p:blipFill>
-          <a:blip r:embed="rId2" cstate="print"/>
-          <a:stretch>
-            <a:fillRect/>
-          </a:stretch>
-        </p:blipFill>
-        <p:spPr>
-          <a:xfrm>
-            <a:off x="7941733" y="4713966"/>
-            <a:ext cx="957262" cy="219455"/>
-          </a:xfrm>
-          <a:prstGeom prst="rect">
-            <a:avLst/>
-          </a:prstGeom>
-        </p:spPr>
-      </p:pic>
       <p:cxnSp>
         <p:nvCxnSpPr>
           <p:cNvPr id="9" name="Straight Connector 8"/>
@@ -2691,62 +2493,6 @@
       </p:sp>
       <p:sp>
         <p:nvSpPr>
-          <p:cNvPr id="6" name="Slide Number Placeholder 5"/>
-          <p:cNvSpPr>
-            <a:spLocks noGrp="1"/>
-          </p:cNvSpPr>
-          <p:nvPr>
-            <p:ph type="sldNum" sz="quarter" idx="12"/>
-          </p:nvPr>
-        </p:nvSpPr>
-        <p:spPr>
-          <a:xfrm>
-            <a:off x="48247" y="4861463"/>
-            <a:ext cx="373338" cy="273844"/>
-          </a:xfrm>
-          <a:prstGeom prst="rect">
-            <a:avLst/>
-          </a:prstGeom>
-        </p:spPr>
-        <p:txBody>
-          <a:bodyPr/>
-          <a:lstStyle>
-            <a:lvl1pPr>
-              <a:defRPr sz="900">
-                <a:solidFill>
-                  <a:schemeClr val="bg1">
-                    <a:lumMod val="65000"/>
-                  </a:schemeClr>
-                </a:solidFill>
-              </a:defRPr>
-            </a:lvl1pPr>
-          </a:lstStyle>
-          <a:p>
-            <a:fld id="{ADA07C09-8A41-3B46-A636-3955072BBB4F}" type="slidenum">
-              <a:rPr lang="en-US" smtClean="0">
-                <a:solidFill>
-                  <a:srgbClr val="FFFFFF">
-                    <a:lumMod val="65000"/>
-                  </a:srgbClr>
-                </a:solidFill>
-                <a:latin typeface="Arial"/>
-              </a:rPr>
-              <a:pPr/>
-              <a:t>‹#›</a:t>
-            </a:fld>
-            <a:endParaRPr lang="en-US" dirty="0">
-              <a:solidFill>
-                <a:srgbClr val="FFFFFF">
-                  <a:lumMod val="65000"/>
-                </a:srgbClr>
-              </a:solidFill>
-              <a:latin typeface="Arial"/>
-            </a:endParaRPr>
-          </a:p>
-        </p:txBody>
-      </p:sp>
-      <p:sp>
-        <p:nvSpPr>
           <p:cNvPr id="13" name="Text Placeholder 12"/>
           <p:cNvSpPr>
             <a:spLocks noGrp="1"/>
@@ -2930,92 +2676,6 @@
           </a:p>
         </p:txBody>
       </p:sp>
-      <p:pic>
-        <p:nvPicPr>
-          <p:cNvPr id="7" name="Picture 6" descr="Pivotal_White.png"/>
-          <p:cNvPicPr>
-            <a:picLocks noChangeAspect="1"/>
-          </p:cNvPicPr>
-          <p:nvPr userDrawn="1"/>
-        </p:nvPicPr>
-        <p:blipFill>
-          <a:blip r:embed="rId2">
-            <a:extLst>
-              <a:ext uri="{28A0092B-C50C-407E-A947-70E740481C1C}">
-                <a14:useLocalDpi xmlns:a14="http://schemas.microsoft.com/office/drawing/2010/main" val="0"/>
-              </a:ext>
-            </a:extLst>
-          </a:blip>
-          <a:stretch>
-            <a:fillRect/>
-          </a:stretch>
-        </p:blipFill>
-        <p:spPr>
-          <a:xfrm>
-            <a:off x="8286415" y="4854091"/>
-            <a:ext cx="712061" cy="173736"/>
-          </a:xfrm>
-          <a:prstGeom prst="rect">
-            <a:avLst/>
-          </a:prstGeom>
-        </p:spPr>
-      </p:pic>
-      <p:sp>
-        <p:nvSpPr>
-          <p:cNvPr id="11" name="Slide Number Placeholder 5"/>
-          <p:cNvSpPr>
-            <a:spLocks noGrp="1"/>
-          </p:cNvSpPr>
-          <p:nvPr>
-            <p:ph type="sldNum" sz="quarter" idx="12"/>
-          </p:nvPr>
-        </p:nvSpPr>
-        <p:spPr>
-          <a:xfrm>
-            <a:off x="48247" y="4861463"/>
-            <a:ext cx="373338" cy="273844"/>
-          </a:xfrm>
-          <a:prstGeom prst="rect">
-            <a:avLst/>
-          </a:prstGeom>
-        </p:spPr>
-        <p:txBody>
-          <a:bodyPr/>
-          <a:lstStyle>
-            <a:lvl1pPr>
-              <a:defRPr sz="900">
-                <a:solidFill>
-                  <a:schemeClr val="bg1">
-                    <a:lumMod val="65000"/>
-                  </a:schemeClr>
-                </a:solidFill>
-              </a:defRPr>
-            </a:lvl1pPr>
-          </a:lstStyle>
-          <a:p>
-            <a:fld id="{ADA07C09-8A41-3B46-A636-3955072BBB4F}" type="slidenum">
-              <a:rPr lang="en-US" smtClean="0">
-                <a:solidFill>
-                  <a:srgbClr val="FFFFFF">
-                    <a:lumMod val="65000"/>
-                  </a:srgbClr>
-                </a:solidFill>
-                <a:latin typeface="Arial"/>
-              </a:rPr>
-              <a:pPr/>
-              <a:t>‹#›</a:t>
-            </a:fld>
-            <a:endParaRPr lang="en-US" dirty="0">
-              <a:solidFill>
-                <a:srgbClr val="FFFFFF">
-                  <a:lumMod val="65000"/>
-                </a:srgbClr>
-              </a:solidFill>
-              <a:latin typeface="Arial"/>
-            </a:endParaRPr>
-          </a:p>
-        </p:txBody>
-      </p:sp>
     </p:spTree>
     <p:extLst>
       <p:ext uri="{BB962C8B-B14F-4D97-AF65-F5344CB8AC3E}">
@@ -3053,62 +2713,6 @@
           <a:chExt cx="0" cy="0"/>
         </a:xfrm>
       </p:grpSpPr>
-      <p:sp>
-        <p:nvSpPr>
-          <p:cNvPr id="5" name="Slide Number Placeholder 5"/>
-          <p:cNvSpPr>
-            <a:spLocks noGrp="1"/>
-          </p:cNvSpPr>
-          <p:nvPr>
-            <p:ph type="sldNum" sz="quarter" idx="12"/>
-          </p:nvPr>
-        </p:nvSpPr>
-        <p:spPr>
-          <a:xfrm>
-            <a:off x="48247" y="4861463"/>
-            <a:ext cx="373338" cy="273844"/>
-          </a:xfrm>
-          <a:prstGeom prst="rect">
-            <a:avLst/>
-          </a:prstGeom>
-        </p:spPr>
-        <p:txBody>
-          <a:bodyPr/>
-          <a:lstStyle>
-            <a:lvl1pPr>
-              <a:defRPr sz="900">
-                <a:solidFill>
-                  <a:schemeClr val="bg1">
-                    <a:lumMod val="65000"/>
-                  </a:schemeClr>
-                </a:solidFill>
-              </a:defRPr>
-            </a:lvl1pPr>
-          </a:lstStyle>
-          <a:p>
-            <a:fld id="{ADA07C09-8A41-3B46-A636-3955072BBB4F}" type="slidenum">
-              <a:rPr lang="en-US" smtClean="0">
-                <a:solidFill>
-                  <a:srgbClr val="FFFFFF">
-                    <a:lumMod val="65000"/>
-                  </a:srgbClr>
-                </a:solidFill>
-                <a:latin typeface="Arial"/>
-              </a:rPr>
-              <a:pPr/>
-              <a:t>‹#›</a:t>
-            </a:fld>
-            <a:endParaRPr lang="en-US" dirty="0">
-              <a:solidFill>
-                <a:srgbClr val="FFFFFF">
-                  <a:lumMod val="65000"/>
-                </a:srgbClr>
-              </a:solidFill>
-              <a:latin typeface="Arial"/>
-            </a:endParaRPr>
-          </a:p>
-        </p:txBody>
-      </p:sp>
     </p:spTree>
     <p:extLst>
       <p:ext uri="{BB962C8B-B14F-4D97-AF65-F5344CB8AC3E}">
@@ -3231,62 +2835,6 @@
           <a:chExt cx="0" cy="0"/>
         </a:xfrm>
       </p:grpSpPr>
-      <p:sp>
-        <p:nvSpPr>
-          <p:cNvPr id="2" name="Slide Number Placeholder 2"/>
-          <p:cNvSpPr>
-            <a:spLocks noGrp="1"/>
-          </p:cNvSpPr>
-          <p:nvPr>
-            <p:ph type="sldNum" sz="quarter" idx="4"/>
-          </p:nvPr>
-        </p:nvSpPr>
-        <p:spPr>
-          <a:xfrm>
-            <a:off x="524348" y="4651813"/>
-            <a:ext cx="2133600" cy="274637"/>
-          </a:xfrm>
-          <a:prstGeom prst="rect">
-            <a:avLst/>
-          </a:prstGeom>
-        </p:spPr>
-        <p:txBody>
-          <a:bodyPr vert="horz" lIns="0" tIns="45720" rIns="91440" bIns="45720" rtlCol="0" anchor="ctr"/>
-          <a:lstStyle>
-            <a:lvl1pPr algn="l">
-              <a:defRPr sz="1000">
-                <a:solidFill>
-                  <a:schemeClr val="tx1">
-                    <a:tint val="75000"/>
-                  </a:schemeClr>
-                </a:solidFill>
-              </a:defRPr>
-            </a:lvl1pPr>
-          </a:lstStyle>
-          <a:p>
-            <a:fld id="{602A933A-CCB3-5F4E-BECE-55F24E394E11}" type="slidenum">
-              <a:rPr lang="en-US" smtClean="0">
-                <a:solidFill>
-                  <a:srgbClr val="000000">
-                    <a:tint val="75000"/>
-                  </a:srgbClr>
-                </a:solidFill>
-                <a:latin typeface="Arial"/>
-              </a:rPr>
-              <a:pPr/>
-              <a:t>‹#›</a:t>
-            </a:fld>
-            <a:endParaRPr lang="en-US" dirty="0">
-              <a:solidFill>
-                <a:srgbClr val="000000">
-                  <a:tint val="75000"/>
-                </a:srgbClr>
-              </a:solidFill>
-              <a:latin typeface="Arial"/>
-            </a:endParaRPr>
-          </a:p>
-        </p:txBody>
-      </p:sp>
     </p:spTree>
     <p:extLst>
       <p:ext uri="{BB962C8B-B14F-4D97-AF65-F5344CB8AC3E}">
@@ -3436,86 +2984,6 @@
           </a:p>
         </p:txBody>
       </p:sp>
-      <p:sp>
-        <p:nvSpPr>
-          <p:cNvPr id="6" name="Slide Number Placeholder 2"/>
-          <p:cNvSpPr>
-            <a:spLocks noGrp="1"/>
-          </p:cNvSpPr>
-          <p:nvPr>
-            <p:ph type="sldNum" sz="quarter" idx="4"/>
-          </p:nvPr>
-        </p:nvSpPr>
-        <p:spPr>
-          <a:xfrm>
-            <a:off x="524348" y="4651813"/>
-            <a:ext cx="2133600" cy="274637"/>
-          </a:xfrm>
-          <a:prstGeom prst="rect">
-            <a:avLst/>
-          </a:prstGeom>
-        </p:spPr>
-        <p:txBody>
-          <a:bodyPr vert="horz" lIns="0" tIns="45720" rIns="91440" bIns="45720" rtlCol="0" anchor="ctr"/>
-          <a:lstStyle>
-            <a:lvl1pPr algn="l">
-              <a:defRPr sz="1000">
-                <a:solidFill>
-                  <a:schemeClr val="bg1"/>
-                </a:solidFill>
-              </a:defRPr>
-            </a:lvl1pPr>
-          </a:lstStyle>
-          <a:p>
-            <a:fld id="{602A933A-CCB3-5F4E-BECE-55F24E394E11}" type="slidenum">
-              <a:rPr lang="en-US" smtClean="0">
-                <a:solidFill>
-                  <a:prstClr val="white"/>
-                </a:solidFill>
-                <a:latin typeface="Arial"/>
-              </a:rPr>
-              <a:pPr/>
-              <a:t>‹#›</a:t>
-            </a:fld>
-            <a:endParaRPr lang="en-US" dirty="0">
-              <a:solidFill>
-                <a:prstClr val="white"/>
-              </a:solidFill>
-              <a:latin typeface="Arial"/>
-            </a:endParaRPr>
-          </a:p>
-        </p:txBody>
-      </p:sp>
-      <p:pic>
-        <p:nvPicPr>
-          <p:cNvPr id="7" name="Picture 6" descr="pivotal_green.png"/>
-          <p:cNvPicPr>
-            <a:picLocks noChangeAspect="1"/>
-          </p:cNvPicPr>
-          <p:nvPr userDrawn="1"/>
-        </p:nvPicPr>
-        <p:blipFill>
-          <a:blip r:embed="rId2">
-            <a:extLst>
-              <a:ext uri="{28A0092B-C50C-407E-A947-70E740481C1C}">
-                <a14:useLocalDpi xmlns:a14="http://schemas.microsoft.com/office/drawing/2010/main" val="0"/>
-              </a:ext>
-            </a:extLst>
-          </a:blip>
-          <a:stretch>
-            <a:fillRect/>
-          </a:stretch>
-        </p:blipFill>
-        <p:spPr>
-          <a:xfrm>
-            <a:off x="7788438" y="4656658"/>
-            <a:ext cx="831214" cy="204245"/>
-          </a:xfrm>
-          <a:prstGeom prst="rect">
-            <a:avLst/>
-          </a:prstGeom>
-        </p:spPr>
-      </p:pic>
     </p:spTree>
     <p:extLst>
       <p:ext uri="{BB962C8B-B14F-4D97-AF65-F5344CB8AC3E}">
@@ -3546,29 +3014,6 @@
           <a:chExt cx="0" cy="0"/>
         </a:xfrm>
       </p:grpSpPr>
-      <p:sp>
-        <p:nvSpPr>
-          <p:cNvPr id="6" name="Slide Number Placeholder 5"/>
-          <p:cNvSpPr>
-            <a:spLocks noGrp="1"/>
-          </p:cNvSpPr>
-          <p:nvPr>
-            <p:ph type="sldNum" sz="quarter" idx="12"/>
-          </p:nvPr>
-        </p:nvSpPr>
-        <p:spPr/>
-        <p:txBody>
-          <a:bodyPr/>
-          <a:lstStyle/>
-          <a:p>
-            <a:fld id="{ADA07C09-8A41-3B46-A636-3955072BBB4F}" type="slidenum">
-              <a:rPr lang="en-US" smtClean="0"/>
-              <a:t>‹#›</a:t>
-            </a:fld>
-            <a:endParaRPr lang="en-US" dirty="0"/>
-          </a:p>
-        </p:txBody>
-      </p:sp>
     </p:spTree>
     <p:extLst>
       <p:ext uri="{BB962C8B-B14F-4D97-AF65-F5344CB8AC3E}">
@@ -3643,29 +3088,6 @@
               <a:rPr lang="en-US" dirty="0" smtClean="0"/>
               <a:t>Click to edit Master title style</a:t>
             </a:r>
-            <a:endParaRPr lang="en-US" dirty="0"/>
-          </a:p>
-        </p:txBody>
-      </p:sp>
-      <p:sp>
-        <p:nvSpPr>
-          <p:cNvPr id="6" name="Slide Number Placeholder 5"/>
-          <p:cNvSpPr>
-            <a:spLocks noGrp="1"/>
-          </p:cNvSpPr>
-          <p:nvPr>
-            <p:ph type="sldNum" sz="quarter" idx="12"/>
-          </p:nvPr>
-        </p:nvSpPr>
-        <p:spPr/>
-        <p:txBody>
-          <a:bodyPr/>
-          <a:lstStyle/>
-          <a:p>
-            <a:fld id="{ADA07C09-8A41-3B46-A636-3955072BBB4F}" type="slidenum">
-              <a:rPr lang="en-US" smtClean="0"/>
-              <a:t>‹#›</a:t>
-            </a:fld>
             <a:endParaRPr lang="en-US" dirty="0"/>
           </a:p>
         </p:txBody>
@@ -3893,91 +3315,6 @@
           </a:p>
         </p:txBody>
       </p:sp>
-      <p:sp>
-        <p:nvSpPr>
-          <p:cNvPr id="65" name="Shape 65"/>
-          <p:cNvSpPr txBox="1"/>
-          <p:nvPr/>
-        </p:nvSpPr>
-        <p:spPr>
-          <a:xfrm>
-            <a:off x="366712" y="5018087"/>
-            <a:ext cx="2274900" cy="99900"/>
-          </a:xfrm>
-          <a:prstGeom prst="rect">
-            <a:avLst/>
-          </a:prstGeom>
-          <a:noFill/>
-          <a:ln>
-            <a:noFill/>
-          </a:ln>
-        </p:spPr>
-        <p:txBody>
-          <a:bodyPr lIns="0" tIns="0" rIns="0" bIns="0" anchor="t" anchorCtr="0">
-            <a:noAutofit/>
-          </a:bodyPr>
-          <a:lstStyle/>
-          <a:p>
-            <a:pPr marL="0" marR="0" lvl="0" indent="0" algn="l" rtl="0">
-              <a:lnSpc>
-                <a:spcPct val="100000"/>
-              </a:lnSpc>
-              <a:spcBef>
-                <a:spcPts val="0"/>
-              </a:spcBef>
-              <a:spcAft>
-                <a:spcPts val="0"/>
-              </a:spcAft>
-              <a:buClr>
-                <a:srgbClr val="7F7F7F"/>
-              </a:buClr>
-              <a:buSzPct val="25000"/>
-              <a:buFont typeface="Arial"/>
-              <a:buNone/>
-            </a:pPr>
-            <a:r>
-              <a:rPr lang="en" sz="600" b="0" i="0" u="none" strike="noStrike" cap="none" baseline="0">
-                <a:solidFill>
-                  <a:srgbClr val="7F7F7F"/>
-                </a:solidFill>
-                <a:latin typeface="Arial"/>
-                <a:ea typeface="Arial"/>
-                <a:cs typeface="Arial"/>
-                <a:sym typeface="Arial"/>
-                <a:rtl val="0"/>
-              </a:rPr>
-              <a:t>© Copyright 2013 Pivotal. All rights reserved.</a:t>
-            </a:r>
-          </a:p>
-        </p:txBody>
-      </p:sp>
-      <p:pic>
-        <p:nvPicPr>
-          <p:cNvPr id="66" name="Shape 66"/>
-          <p:cNvPicPr preferRelativeResize="0"/>
-          <p:nvPr/>
-        </p:nvPicPr>
-        <p:blipFill rotWithShape="1">
-          <a:blip r:embed="rId2">
-            <a:alphaModFix/>
-          </a:blip>
-          <a:srcRect/>
-          <a:stretch/>
-        </p:blipFill>
-        <p:spPr>
-          <a:xfrm>
-            <a:off x="7942263" y="4713287"/>
-            <a:ext cx="957299" cy="220800"/>
-          </a:xfrm>
-          <a:prstGeom prst="rect">
-            <a:avLst/>
-          </a:prstGeom>
-          <a:noFill/>
-          <a:ln>
-            <a:noFill/>
-          </a:ln>
-        </p:spPr>
-      </p:pic>
     </p:spTree>
     <p:extLst>
       <p:ext uri="{BB962C8B-B14F-4D97-AF65-F5344CB8AC3E}">
@@ -4046,62 +3383,6 @@
               <a:t>Click to edit Master title style</a:t>
             </a:r>
             <a:endParaRPr lang="en-US" dirty="0"/>
-          </a:p>
-        </p:txBody>
-      </p:sp>
-      <p:sp>
-        <p:nvSpPr>
-          <p:cNvPr id="6" name="Slide Number Placeholder 5"/>
-          <p:cNvSpPr>
-            <a:spLocks noGrp="1"/>
-          </p:cNvSpPr>
-          <p:nvPr>
-            <p:ph type="sldNum" sz="quarter" idx="12"/>
-          </p:nvPr>
-        </p:nvSpPr>
-        <p:spPr>
-          <a:xfrm>
-            <a:off x="48247" y="4861463"/>
-            <a:ext cx="373338" cy="273844"/>
-          </a:xfrm>
-          <a:prstGeom prst="rect">
-            <a:avLst/>
-          </a:prstGeom>
-        </p:spPr>
-        <p:txBody>
-          <a:bodyPr/>
-          <a:lstStyle>
-            <a:lvl1pPr>
-              <a:defRPr sz="900">
-                <a:solidFill>
-                  <a:schemeClr val="bg1">
-                    <a:lumMod val="65000"/>
-                  </a:schemeClr>
-                </a:solidFill>
-              </a:defRPr>
-            </a:lvl1pPr>
-          </a:lstStyle>
-          <a:p>
-            <a:fld id="{ADA07C09-8A41-3B46-A636-3955072BBB4F}" type="slidenum">
-              <a:rPr lang="en-US" smtClean="0">
-                <a:solidFill>
-                  <a:srgbClr val="FFFFFF">
-                    <a:lumMod val="65000"/>
-                  </a:srgbClr>
-                </a:solidFill>
-                <a:latin typeface="Arial"/>
-              </a:rPr>
-              <a:pPr/>
-              <a:t>‹#›</a:t>
-            </a:fld>
-            <a:endParaRPr lang="en-US" dirty="0">
-              <a:solidFill>
-                <a:srgbClr val="FFFFFF">
-                  <a:lumMod val="65000"/>
-                </a:srgbClr>
-              </a:solidFill>
-              <a:latin typeface="Arial"/>
-            </a:endParaRPr>
           </a:p>
         </p:txBody>
       </p:sp>
@@ -4240,92 +3521,6 @@
           </a:p>
         </p:txBody>
       </p:sp>
-      <p:pic>
-        <p:nvPicPr>
-          <p:cNvPr id="7" name="Picture 6" descr="Pivotal_White.png"/>
-          <p:cNvPicPr>
-            <a:picLocks noChangeAspect="1"/>
-          </p:cNvPicPr>
-          <p:nvPr userDrawn="1"/>
-        </p:nvPicPr>
-        <p:blipFill>
-          <a:blip r:embed="rId2">
-            <a:extLst>
-              <a:ext uri="{28A0092B-C50C-407E-A947-70E740481C1C}">
-                <a14:useLocalDpi xmlns:a14="http://schemas.microsoft.com/office/drawing/2010/main" val="0"/>
-              </a:ext>
-            </a:extLst>
-          </a:blip>
-          <a:stretch>
-            <a:fillRect/>
-          </a:stretch>
-        </p:blipFill>
-        <p:spPr>
-          <a:xfrm>
-            <a:off x="8286415" y="4854091"/>
-            <a:ext cx="712061" cy="173736"/>
-          </a:xfrm>
-          <a:prstGeom prst="rect">
-            <a:avLst/>
-          </a:prstGeom>
-        </p:spPr>
-      </p:pic>
-      <p:sp>
-        <p:nvSpPr>
-          <p:cNvPr id="11" name="Slide Number Placeholder 5"/>
-          <p:cNvSpPr>
-            <a:spLocks noGrp="1"/>
-          </p:cNvSpPr>
-          <p:nvPr>
-            <p:ph type="sldNum" sz="quarter" idx="12"/>
-          </p:nvPr>
-        </p:nvSpPr>
-        <p:spPr>
-          <a:xfrm>
-            <a:off x="48247" y="4861463"/>
-            <a:ext cx="373338" cy="273844"/>
-          </a:xfrm>
-          <a:prstGeom prst="rect">
-            <a:avLst/>
-          </a:prstGeom>
-        </p:spPr>
-        <p:txBody>
-          <a:bodyPr/>
-          <a:lstStyle>
-            <a:lvl1pPr>
-              <a:defRPr sz="900">
-                <a:solidFill>
-                  <a:schemeClr val="bg1">
-                    <a:lumMod val="65000"/>
-                  </a:schemeClr>
-                </a:solidFill>
-              </a:defRPr>
-            </a:lvl1pPr>
-          </a:lstStyle>
-          <a:p>
-            <a:fld id="{ADA07C09-8A41-3B46-A636-3955072BBB4F}" type="slidenum">
-              <a:rPr lang="en-US" smtClean="0">
-                <a:solidFill>
-                  <a:srgbClr val="FFFFFF">
-                    <a:lumMod val="65000"/>
-                  </a:srgbClr>
-                </a:solidFill>
-                <a:latin typeface="Arial"/>
-              </a:rPr>
-              <a:pPr/>
-              <a:t>‹#›</a:t>
-            </a:fld>
-            <a:endParaRPr lang="en-US" dirty="0">
-              <a:solidFill>
-                <a:srgbClr val="FFFFFF">
-                  <a:lumMod val="65000"/>
-                </a:srgbClr>
-              </a:solidFill>
-              <a:latin typeface="Arial"/>
-            </a:endParaRPr>
-          </a:p>
-        </p:txBody>
-      </p:sp>
     </p:spTree>
     <p:extLst>
       <p:ext uri="{BB962C8B-B14F-4D97-AF65-F5344CB8AC3E}">
@@ -4363,62 +3558,6 @@
           <a:chExt cx="0" cy="0"/>
         </a:xfrm>
       </p:grpSpPr>
-      <p:sp>
-        <p:nvSpPr>
-          <p:cNvPr id="5" name="Slide Number Placeholder 5"/>
-          <p:cNvSpPr>
-            <a:spLocks noGrp="1"/>
-          </p:cNvSpPr>
-          <p:nvPr>
-            <p:ph type="sldNum" sz="quarter" idx="12"/>
-          </p:nvPr>
-        </p:nvSpPr>
-        <p:spPr>
-          <a:xfrm>
-            <a:off x="48247" y="4861463"/>
-            <a:ext cx="373338" cy="273844"/>
-          </a:xfrm>
-          <a:prstGeom prst="rect">
-            <a:avLst/>
-          </a:prstGeom>
-        </p:spPr>
-        <p:txBody>
-          <a:bodyPr/>
-          <a:lstStyle>
-            <a:lvl1pPr>
-              <a:defRPr sz="900">
-                <a:solidFill>
-                  <a:schemeClr val="bg1">
-                    <a:lumMod val="65000"/>
-                  </a:schemeClr>
-                </a:solidFill>
-              </a:defRPr>
-            </a:lvl1pPr>
-          </a:lstStyle>
-          <a:p>
-            <a:fld id="{ADA07C09-8A41-3B46-A636-3955072BBB4F}" type="slidenum">
-              <a:rPr lang="en-US" smtClean="0">
-                <a:solidFill>
-                  <a:srgbClr val="FFFFFF">
-                    <a:lumMod val="65000"/>
-                  </a:srgbClr>
-                </a:solidFill>
-                <a:latin typeface="Arial"/>
-              </a:rPr>
-              <a:pPr/>
-              <a:t>‹#›</a:t>
-            </a:fld>
-            <a:endParaRPr lang="en-US" dirty="0">
-              <a:solidFill>
-                <a:srgbClr val="FFFFFF">
-                  <a:lumMod val="65000"/>
-                </a:srgbClr>
-              </a:solidFill>
-              <a:latin typeface="Arial"/>
-            </a:endParaRPr>
-          </a:p>
-        </p:txBody>
-      </p:sp>
     </p:spTree>
     <p:extLst>
       <p:ext uri="{BB962C8B-B14F-4D97-AF65-F5344CB8AC3E}">
@@ -4635,80 +3774,6 @@
           <a:chExt cx="0" cy="0"/>
         </a:xfrm>
       </p:grpSpPr>
-      <p:sp>
-        <p:nvSpPr>
-          <p:cNvPr id="6" name="Slide Number Placeholder 5"/>
-          <p:cNvSpPr>
-            <a:spLocks noGrp="1"/>
-          </p:cNvSpPr>
-          <p:nvPr>
-            <p:ph type="sldNum" sz="quarter" idx="4"/>
-          </p:nvPr>
-        </p:nvSpPr>
-        <p:spPr>
-          <a:xfrm>
-            <a:off x="3797" y="4823363"/>
-            <a:ext cx="373338" cy="273844"/>
-          </a:xfrm>
-          <a:prstGeom prst="rect">
-            <a:avLst/>
-          </a:prstGeom>
-        </p:spPr>
-        <p:txBody>
-          <a:bodyPr vert="horz" lIns="91440" tIns="45720" rIns="91440" bIns="45720" rtlCol="0" anchor="ctr"/>
-          <a:lstStyle>
-            <a:lvl1pPr algn="ctr">
-              <a:defRPr sz="900">
-                <a:solidFill>
-                  <a:schemeClr val="bg1">
-                    <a:lumMod val="50000"/>
-                  </a:schemeClr>
-                </a:solidFill>
-                <a:latin typeface="Arial"/>
-                <a:cs typeface="Arial"/>
-              </a:defRPr>
-            </a:lvl1pPr>
-          </a:lstStyle>
-          <a:p>
-            <a:fld id="{ADA07C09-8A41-3B46-A636-3955072BBB4F}" type="slidenum">
-              <a:rPr lang="en-US" smtClean="0"/>
-              <a:pPr/>
-              <a:t>‹#›</a:t>
-            </a:fld>
-            <a:endParaRPr lang="en-US" dirty="0"/>
-          </a:p>
-        </p:txBody>
-      </p:sp>
-      <p:pic>
-        <p:nvPicPr>
-          <p:cNvPr id="8" name="Picture 7" descr="pivotal_teal.png"/>
-          <p:cNvPicPr>
-            <a:picLocks noChangeAspect="1"/>
-          </p:cNvPicPr>
-          <p:nvPr userDrawn="1"/>
-        </p:nvPicPr>
-        <p:blipFill>
-          <a:blip r:embed="rId6">
-            <a:extLst>
-              <a:ext uri="{28A0092B-C50C-407E-A947-70E740481C1C}">
-                <a14:useLocalDpi xmlns:a14="http://schemas.microsoft.com/office/drawing/2010/main" val="0"/>
-              </a:ext>
-            </a:extLst>
-          </a:blip>
-          <a:stretch>
-            <a:fillRect/>
-          </a:stretch>
-        </p:blipFill>
-        <p:spPr>
-          <a:xfrm>
-            <a:off x="8272780" y="4855076"/>
-            <a:ext cx="731520" cy="171298"/>
-          </a:xfrm>
-          <a:prstGeom prst="rect">
-            <a:avLst/>
-          </a:prstGeom>
-        </p:spPr>
-      </p:pic>
     </p:spTree>
     <p:extLst>
       <p:ext uri="{BB962C8B-B14F-4D97-AF65-F5344CB8AC3E}">
@@ -5009,36 +4074,6 @@
           <a:chExt cx="0" cy="0"/>
         </a:xfrm>
       </p:grpSpPr>
-      <p:pic>
-        <p:nvPicPr>
-          <p:cNvPr id="8" name="Picture 7" descr="pivotal_teal.png"/>
-          <p:cNvPicPr>
-            <a:picLocks noChangeAspect="1"/>
-          </p:cNvPicPr>
-          <p:nvPr userDrawn="1"/>
-        </p:nvPicPr>
-        <p:blipFill>
-          <a:blip r:embed="rId10">
-            <a:extLst>
-              <a:ext uri="{28A0092B-C50C-407E-A947-70E740481C1C}">
-                <a14:useLocalDpi xmlns:a14="http://schemas.microsoft.com/office/drawing/2010/main" val="0"/>
-              </a:ext>
-            </a:extLst>
-          </a:blip>
-          <a:stretch>
-            <a:fillRect/>
-          </a:stretch>
-        </p:blipFill>
-        <p:spPr>
-          <a:xfrm>
-            <a:off x="8272780" y="4855076"/>
-            <a:ext cx="731520" cy="171298"/>
-          </a:xfrm>
-          <a:prstGeom prst="rect">
-            <a:avLst/>
-          </a:prstGeom>
-        </p:spPr>
-      </p:pic>
     </p:spTree>
     <p:extLst>
       <p:ext uri="{BB962C8B-B14F-4D97-AF65-F5344CB8AC3E}">
@@ -5343,36 +4378,6 @@
           <a:chExt cx="0" cy="0"/>
         </a:xfrm>
       </p:grpSpPr>
-      <p:pic>
-        <p:nvPicPr>
-          <p:cNvPr id="8" name="Picture 7" descr="pivotal_teal.png"/>
-          <p:cNvPicPr>
-            <a:picLocks noChangeAspect="1"/>
-          </p:cNvPicPr>
-          <p:nvPr userDrawn="1"/>
-        </p:nvPicPr>
-        <p:blipFill>
-          <a:blip r:embed="rId9">
-            <a:extLst>
-              <a:ext uri="{28A0092B-C50C-407E-A947-70E740481C1C}">
-                <a14:useLocalDpi xmlns:a14="http://schemas.microsoft.com/office/drawing/2010/main" val="0"/>
-              </a:ext>
-            </a:extLst>
-          </a:blip>
-          <a:stretch>
-            <a:fillRect/>
-          </a:stretch>
-        </p:blipFill>
-        <p:spPr>
-          <a:xfrm>
-            <a:off x="8272780" y="4855076"/>
-            <a:ext cx="731520" cy="171298"/>
-          </a:xfrm>
-          <a:prstGeom prst="rect">
-            <a:avLst/>
-          </a:prstGeom>
-        </p:spPr>
-      </p:pic>
     </p:spTree>
     <p:extLst>
       <p:ext uri="{BB962C8B-B14F-4D97-AF65-F5344CB8AC3E}">
@@ -5744,36 +4749,6 @@
           </a:p>
         </p:txBody>
       </p:sp>
-      <p:pic>
-        <p:nvPicPr>
-          <p:cNvPr id="8" name="Picture 7" descr="pivotal_white.png"/>
-          <p:cNvPicPr>
-            <a:picLocks noChangeAspect="1"/>
-          </p:cNvPicPr>
-          <p:nvPr/>
-        </p:nvPicPr>
-        <p:blipFill>
-          <a:blip r:embed="rId4" cstate="screen">
-            <a:extLst>
-              <a:ext uri="{28A0092B-C50C-407E-A947-70E740481C1C}">
-                <a14:useLocalDpi xmlns:a14="http://schemas.microsoft.com/office/drawing/2010/main"/>
-              </a:ext>
-            </a:extLst>
-          </a:blip>
-          <a:stretch>
-            <a:fillRect/>
-          </a:stretch>
-        </p:blipFill>
-        <p:spPr>
-          <a:xfrm>
-            <a:off x="753110" y="978442"/>
-            <a:ext cx="1368554" cy="336279"/>
-          </a:xfrm>
-          <a:prstGeom prst="rect">
-            <a:avLst/>
-          </a:prstGeom>
-        </p:spPr>
-      </p:pic>
       <p:sp>
         <p:nvSpPr>
           <p:cNvPr id="10" name="TextBox 9"/>
@@ -5906,7 +4881,7 @@
           <p:nvPr/>
         </p:nvPicPr>
         <p:blipFill>
-          <a:blip r:embed="rId5"/>
+          <a:blip r:embed="rId4"/>
           <a:stretch>
             <a:fillRect/>
           </a:stretch>
